--- a/자바스크립트.pptx
+++ b/자바스크립트.pptx
@@ -104,6 +104,11 @@
       </a:defRPr>
     </a:lvl9pPr>
   </p:defaultTextStyle>
+  <p:extLst>
+    <p:ext uri="{EFAFB233-063F-42B5-8137-9DF3F51BA10A}">
+      <p15:sldGuideLst xmlns:p15="http://schemas.microsoft.com/office/powerpoint/2012/main"/>
+    </p:ext>
+  </p:extLst>
 </p:presentation>
 </file>
 
@@ -2974,35 +2979,241 @@
             <p:ph type="ctrTitle"/>
           </p:nvPr>
         </p:nvSpPr>
-        <p:spPr/>
-        <p:txBody>
-          <a:bodyPr/>
-          <a:lstStyle/>
-          <a:p>
+        <p:spPr>
+          <a:xfrm>
+            <a:off x="1524000" y="1122363"/>
+            <a:ext cx="9144000" cy="831128"/>
+          </a:xfrm>
+        </p:spPr>
+        <p:txBody>
+          <a:bodyPr>
+            <a:normAutofit/>
+          </a:bodyPr>
+          <a:lstStyle/>
+          <a:p>
+            <a:r>
+              <a:rPr lang="en-US" altLang="ko-KR" sz="3000" dirty="0" err="1" smtClean="0"/>
+              <a:t>Git</a:t>
+            </a:r>
+            <a:r>
+              <a:rPr lang="en-US" altLang="ko-KR" sz="3000" dirty="0" smtClean="0"/>
+              <a:t> hub</a:t>
+            </a:r>
+            <a:r>
+              <a:rPr lang="ko-KR" altLang="en-US" sz="3000" dirty="0" smtClean="0"/>
+              <a:t>초기설정</a:t>
+            </a:r>
+            <a:endParaRPr lang="ko-KR" altLang="en-US" sz="3000" dirty="0"/>
+          </a:p>
+        </p:txBody>
+      </p:sp>
+      <p:sp>
+        <p:nvSpPr>
+          <p:cNvPr id="3" name="부제목 2"/>
+          <p:cNvSpPr>
+            <a:spLocks noGrp="1"/>
+          </p:cNvSpPr>
+          <p:nvPr>
+            <p:ph type="subTitle" idx="1"/>
+          </p:nvPr>
+        </p:nvSpPr>
+        <p:spPr>
+          <a:xfrm>
+            <a:off x="1524000" y="2186247"/>
+            <a:ext cx="9144000" cy="3071553"/>
+          </a:xfrm>
+        </p:spPr>
+        <p:txBody>
+          <a:bodyPr>
+            <a:normAutofit fontScale="70000" lnSpcReduction="20000"/>
+          </a:bodyPr>
+          <a:lstStyle/>
+          <a:p>
+            <a:r>
+              <a:rPr lang="en-US" altLang="ko-KR" dirty="0" err="1" smtClean="0"/>
+              <a:t>Git</a:t>
+            </a:r>
+            <a:r>
+              <a:rPr lang="en-US" altLang="ko-KR" dirty="0" smtClean="0"/>
+              <a:t> </a:t>
+            </a:r>
+            <a:r>
+              <a:rPr lang="en-US" altLang="ko-KR" dirty="0" err="1" smtClean="0"/>
+              <a:t>init</a:t>
+            </a:r>
+            <a:endParaRPr lang="en-US" altLang="ko-KR" dirty="0" smtClean="0"/>
+          </a:p>
+          <a:p>
+            <a:r>
+              <a:rPr lang="en-US" altLang="ko-KR" dirty="0" err="1" smtClean="0"/>
+              <a:t>Git</a:t>
+            </a:r>
+            <a:r>
+              <a:rPr lang="en-US" altLang="ko-KR" dirty="0" smtClean="0"/>
+              <a:t> </a:t>
+            </a:r>
+            <a:r>
+              <a:rPr lang="en-US" altLang="ko-KR" dirty="0" err="1" smtClean="0"/>
+              <a:t>config</a:t>
+            </a:r>
+            <a:r>
+              <a:rPr lang="en-US" altLang="ko-KR" dirty="0"/>
+              <a:t> </a:t>
+            </a:r>
+            <a:r>
+              <a:rPr lang="en-US" altLang="ko-KR" dirty="0" smtClean="0"/>
+              <a:t>--global </a:t>
+            </a:r>
+            <a:r>
+              <a:rPr lang="en-US" altLang="ko-KR" dirty="0" err="1" smtClean="0"/>
+              <a:t>user.email</a:t>
+            </a:r>
+            <a:r>
+              <a:rPr lang="en-US" altLang="ko-KR" dirty="0" smtClean="0"/>
+              <a:t> “”</a:t>
+            </a:r>
+          </a:p>
+          <a:p>
+            <a:r>
+              <a:rPr lang="en-US" altLang="ko-KR" dirty="0" err="1" smtClean="0"/>
+              <a:t>Git</a:t>
+            </a:r>
+            <a:r>
+              <a:rPr lang="en-US" altLang="ko-KR" dirty="0" smtClean="0"/>
+              <a:t> </a:t>
+            </a:r>
+            <a:r>
+              <a:rPr lang="en-US" altLang="ko-KR" dirty="0" err="1" smtClean="0"/>
+              <a:t>config</a:t>
+            </a:r>
+            <a:r>
+              <a:rPr lang="en-US" altLang="ko-KR" dirty="0" smtClean="0"/>
+              <a:t> –global user.name “”</a:t>
+            </a:r>
+          </a:p>
+          <a:p>
+            <a:r>
+              <a:rPr lang="en-US" altLang="ko-KR" dirty="0" err="1" smtClean="0"/>
+              <a:t>Git</a:t>
+            </a:r>
+            <a:r>
+              <a:rPr lang="en-US" altLang="ko-KR" dirty="0" smtClean="0"/>
+              <a:t> remote add origin</a:t>
+            </a:r>
+          </a:p>
+          <a:p>
+            <a:endParaRPr lang="en-US" altLang="ko-KR" dirty="0" smtClean="0"/>
+          </a:p>
+          <a:p>
+            <a:endParaRPr lang="en-US" altLang="ko-KR" dirty="0"/>
+          </a:p>
+          <a:p>
+            <a:r>
+              <a:rPr lang="en-US" altLang="ko-KR" dirty="0" err="1" smtClean="0"/>
+              <a:t>Git</a:t>
+            </a:r>
+            <a:r>
+              <a:rPr lang="en-US" altLang="ko-KR" dirty="0" smtClean="0"/>
+              <a:t> pull origin master (</a:t>
+            </a:r>
+            <a:r>
+              <a:rPr lang="ko-KR" altLang="en-US" dirty="0" err="1" smtClean="0"/>
+              <a:t>깃허브에서</a:t>
+            </a:r>
+            <a:r>
+              <a:rPr lang="ko-KR" altLang="en-US" dirty="0" smtClean="0"/>
+              <a:t> 가져오기</a:t>
+            </a:r>
+            <a:r>
+              <a:rPr lang="en-US" altLang="ko-KR" dirty="0" smtClean="0"/>
+              <a:t>)</a:t>
+            </a:r>
+          </a:p>
+          <a:p>
+            <a:r>
+              <a:rPr lang="en-US" altLang="ko-KR" dirty="0" err="1" smtClean="0"/>
+              <a:t>Git</a:t>
+            </a:r>
+            <a:r>
+              <a:rPr lang="en-US" altLang="ko-KR" dirty="0" smtClean="0"/>
+              <a:t> add. (</a:t>
+            </a:r>
+            <a:r>
+              <a:rPr lang="ko-KR" altLang="en-US" dirty="0" smtClean="0"/>
+              <a:t>변경사항을 모두 후부에 등록</a:t>
+            </a:r>
+            <a:r>
+              <a:rPr lang="en-US" altLang="ko-KR" dirty="0" smtClean="0"/>
+              <a:t>)</a:t>
+            </a:r>
+          </a:p>
+          <a:p>
+            <a:r>
+              <a:rPr lang="en-US" altLang="ko-KR" dirty="0" err="1" smtClean="0"/>
+              <a:t>Git</a:t>
+            </a:r>
+            <a:r>
+              <a:rPr lang="en-US" altLang="ko-KR" dirty="0" smtClean="0"/>
+              <a:t> commit –m “</a:t>
+            </a:r>
+            <a:r>
+              <a:rPr lang="ko-KR" altLang="en-US" dirty="0" err="1" smtClean="0"/>
+              <a:t>메모기입</a:t>
+            </a:r>
+            <a:r>
+              <a:rPr lang="en-US" altLang="ko-KR" dirty="0" smtClean="0"/>
+              <a:t>~~”(</a:t>
+            </a:r>
+            <a:r>
+              <a:rPr lang="ko-KR" altLang="en-US" dirty="0" smtClean="0"/>
+              <a:t>후보를 </a:t>
+            </a:r>
+            <a:r>
+              <a:rPr lang="en-US" altLang="ko-KR" dirty="0" smtClean="0"/>
+              <a:t>.</a:t>
+            </a:r>
+            <a:r>
+              <a:rPr lang="en-US" altLang="ko-KR" dirty="0" err="1" smtClean="0"/>
+              <a:t>git</a:t>
+            </a:r>
+            <a:r>
+              <a:rPr lang="ko-KR" altLang="en-US" dirty="0" smtClean="0"/>
+              <a:t>폴더에 저장</a:t>
+            </a:r>
+            <a:r>
+              <a:rPr lang="en-US" altLang="ko-KR" dirty="0" smtClean="0"/>
+              <a:t>)</a:t>
+            </a:r>
+          </a:p>
+          <a:p>
+            <a:r>
+              <a:rPr lang="en-US" altLang="ko-KR" dirty="0" err="1" smtClean="0"/>
+              <a:t>Git</a:t>
+            </a:r>
+            <a:r>
+              <a:rPr lang="en-US" altLang="ko-KR" dirty="0" smtClean="0"/>
+              <a:t> push origin master (.</a:t>
+            </a:r>
+            <a:r>
+              <a:rPr lang="en-US" altLang="ko-KR" dirty="0" err="1" smtClean="0"/>
+              <a:t>git</a:t>
+            </a:r>
+            <a:r>
+              <a:rPr lang="en-US" altLang="ko-KR" dirty="0" smtClean="0"/>
+              <a:t> </a:t>
+            </a:r>
+            <a:r>
+              <a:rPr lang="ko-KR" altLang="en-US" dirty="0" smtClean="0"/>
+              <a:t>내용을 업로드</a:t>
+            </a:r>
             <a:r>
               <a:rPr lang="en-US" altLang="ko-KR" smtClean="0"/>
-              <a:t>1</a:t>
-            </a:r>
-            <a:endParaRPr lang="ko-KR" altLang="en-US"/>
-          </a:p>
-        </p:txBody>
-      </p:sp>
-      <p:sp>
-        <p:nvSpPr>
-          <p:cNvPr id="3" name="부제목 2"/>
-          <p:cNvSpPr>
-            <a:spLocks noGrp="1"/>
-          </p:cNvSpPr>
-          <p:nvPr>
-            <p:ph type="subTitle" idx="1"/>
-          </p:nvPr>
-        </p:nvSpPr>
-        <p:spPr/>
-        <p:txBody>
-          <a:bodyPr/>
-          <a:lstStyle/>
-          <a:p>
-            <a:endParaRPr lang="ko-KR" altLang="en-US"/>
+              <a:t>)</a:t>
+            </a:r>
+            <a:endParaRPr lang="en-US" altLang="ko-KR" dirty="0" smtClean="0"/>
+          </a:p>
+          <a:p>
+            <a:endParaRPr lang="en-US" altLang="ko-KR" dirty="0" smtClean="0"/>
           </a:p>
         </p:txBody>
       </p:sp>

--- a/자바스크립트.pptx
+++ b/자바스크립트.pptx
@@ -6,6 +6,7 @@
   </p:sldMasterIdLst>
   <p:sldIdLst>
     <p:sldId id="256" r:id="rId2"/>
+    <p:sldId id="257" r:id="rId3"/>
   </p:sldIdLst>
   <p:sldSz cx="12192000" cy="6858000"/>
   <p:notesSz cx="6858000" cy="9144000"/>
@@ -3230,6 +3231,118 @@
 </p:sld>
 </file>
 
+<file path=ppt/slides/slide2.xml><?xml version="1.0" encoding="utf-8"?>
+<p:sld xmlns:a="http://schemas.openxmlformats.org/drawingml/2006/main" xmlns:r="http://schemas.openxmlformats.org/officeDocument/2006/relationships" xmlns:p="http://schemas.openxmlformats.org/presentationml/2006/main">
+  <p:cSld>
+    <p:spTree>
+      <p:nvGrpSpPr>
+        <p:cNvPr id="1" name=""/>
+        <p:cNvGrpSpPr/>
+        <p:nvPr/>
+      </p:nvGrpSpPr>
+      <p:grpSpPr>
+        <a:xfrm>
+          <a:off x="0" y="0"/>
+          <a:ext cx="0" cy="0"/>
+          <a:chOff x="0" y="0"/>
+          <a:chExt cx="0" cy="0"/>
+        </a:xfrm>
+      </p:grpSpPr>
+      <p:sp>
+        <p:nvSpPr>
+          <p:cNvPr id="2" name="제목 1"/>
+          <p:cNvSpPr>
+            <a:spLocks noGrp="1"/>
+          </p:cNvSpPr>
+          <p:nvPr>
+            <p:ph type="title"/>
+          </p:nvPr>
+        </p:nvSpPr>
+        <p:spPr/>
+        <p:txBody>
+          <a:bodyPr/>
+          <a:lstStyle/>
+          <a:p>
+            <a:r>
+              <a:rPr lang="en-US" altLang="ko-KR" dirty="0" err="1" smtClean="0"/>
+              <a:t>Git</a:t>
+            </a:r>
+            <a:r>
+              <a:rPr lang="en-US" altLang="ko-KR" dirty="0" smtClean="0"/>
+              <a:t> hub </a:t>
+            </a:r>
+            <a:r>
+              <a:rPr lang="ko-KR" altLang="en-US" dirty="0" smtClean="0"/>
+              <a:t>가져오기</a:t>
+            </a:r>
+            <a:r>
+              <a:rPr lang="en-US" altLang="ko-KR" dirty="0" smtClean="0"/>
+              <a:t>	</a:t>
+            </a:r>
+            <a:endParaRPr lang="ko-KR" altLang="en-US" dirty="0"/>
+          </a:p>
+        </p:txBody>
+      </p:sp>
+      <p:sp>
+        <p:nvSpPr>
+          <p:cNvPr id="3" name="내용 개체 틀 2"/>
+          <p:cNvSpPr>
+            <a:spLocks noGrp="1"/>
+          </p:cNvSpPr>
+          <p:nvPr>
+            <p:ph idx="1"/>
+          </p:nvPr>
+        </p:nvSpPr>
+        <p:spPr/>
+        <p:txBody>
+          <a:bodyPr/>
+          <a:lstStyle/>
+          <a:p>
+            <a:pPr marL="0" indent="0">
+              <a:buNone/>
+            </a:pPr>
+            <a:r>
+              <a:rPr lang="en-US" altLang="ko-KR" dirty="0" smtClean="0"/>
+              <a:t> </a:t>
+            </a:r>
+            <a:r>
+              <a:rPr lang="en-US" altLang="ko-KR" dirty="0" err="1" smtClean="0"/>
+              <a:t>git</a:t>
+            </a:r>
+            <a:r>
+              <a:rPr lang="en-US" altLang="ko-KR" dirty="0" smtClean="0"/>
+              <a:t> clone</a:t>
+            </a:r>
+          </a:p>
+          <a:p>
+            <a:pPr marL="0" indent="0">
+              <a:buNone/>
+            </a:pPr>
+            <a:r>
+              <a:rPr lang="en-US" altLang="ko-KR" dirty="0" smtClean="0"/>
+              <a:t> </a:t>
+            </a:r>
+            <a:r>
+              <a:rPr lang="ko-KR" altLang="en-US" dirty="0" smtClean="0"/>
+              <a:t>가져오고  </a:t>
+            </a:r>
+            <a:endParaRPr lang="ko-KR" altLang="en-US" dirty="0"/>
+          </a:p>
+        </p:txBody>
+      </p:sp>
+    </p:spTree>
+    <p:extLst>
+      <p:ext uri="{BB962C8B-B14F-4D97-AF65-F5344CB8AC3E}">
+        <p14:creationId xmlns:p14="http://schemas.microsoft.com/office/powerpoint/2010/main" val="2373430910"/>
+      </p:ext>
+    </p:extLst>
+  </p:cSld>
+  <p:clrMapOvr>
+    <a:masterClrMapping/>
+  </p:clrMapOvr>
+</p:sld>
+</file>
+
 <file path=ppt/theme/theme1.xml><?xml version="1.0" encoding="utf-8"?>
 <a:theme xmlns:a="http://schemas.openxmlformats.org/drawingml/2006/main" name="Office 테마">
   <a:themeElements>
